--- a/Documentacion/Proyecto Inventario (General)/Proyecto Inventario.pptx
+++ b/Documentacion/Proyecto Inventario (General)/Proyecto Inventario.pptx
@@ -27116,6 +27116,11 @@
             </a:pPr>
             <a:r>
               <a:rPr lang="es-CO" sz="5000" b="1" dirty="0">
+                <a:solidFill>
+                  <a:schemeClr val="bg2">
+                    <a:lumMod val="75000"/>
+                  </a:schemeClr>
+                </a:solidFill>
                 <a:effectLst/>
                 <a:latin typeface="Calibri" panose="020F0502020204030204" pitchFamily="34" charset="0"/>
                 <a:ea typeface="Calibri" panose="020F0502020204030204" pitchFamily="34" charset="0"/>
@@ -27124,6 +27129,11 @@
               <a:t>Software</a:t>
             </a:r>
             <a:endParaRPr lang="es-CO" sz="5000" dirty="0">
+              <a:solidFill>
+                <a:schemeClr val="bg2">
+                  <a:lumMod val="75000"/>
+                </a:schemeClr>
+              </a:solidFill>
               <a:effectLst/>
               <a:latin typeface="Calibri" panose="020F0502020204030204" pitchFamily="34" charset="0"/>
               <a:ea typeface="Calibri" panose="020F0502020204030204" pitchFamily="34" charset="0"/>
@@ -27141,6 +27151,11 @@
             </a:pPr>
             <a:r>
               <a:rPr lang="es-CO" sz="5000" b="1" dirty="0">
+                <a:solidFill>
+                  <a:schemeClr val="bg2">
+                    <a:lumMod val="75000"/>
+                  </a:schemeClr>
+                </a:solidFill>
                 <a:effectLst/>
                 <a:latin typeface="Calibri" panose="020F0502020204030204" pitchFamily="34" charset="0"/>
                 <a:ea typeface="Calibri" panose="020F0502020204030204" pitchFamily="34" charset="0"/>
@@ -27149,6 +27164,11 @@
               <a:t> </a:t>
             </a:r>
             <a:endParaRPr lang="es-CO" sz="5000" dirty="0">
+              <a:solidFill>
+                <a:schemeClr val="bg2">
+                  <a:lumMod val="75000"/>
+                </a:schemeClr>
+              </a:solidFill>
               <a:effectLst/>
               <a:latin typeface="Calibri" panose="020F0502020204030204" pitchFamily="34" charset="0"/>
               <a:ea typeface="Calibri" panose="020F0502020204030204" pitchFamily="34" charset="0"/>
@@ -27168,6 +27188,11 @@
             </a:pPr>
             <a:r>
               <a:rPr lang="es-CO" sz="5000" dirty="0">
+                <a:solidFill>
+                  <a:schemeClr val="bg2">
+                    <a:lumMod val="75000"/>
+                  </a:schemeClr>
+                </a:solidFill>
                 <a:effectLst/>
                 <a:latin typeface="Calibri" panose="020F0502020204030204" pitchFamily="34" charset="0"/>
                 <a:ea typeface="Calibri" panose="020F0502020204030204" pitchFamily="34" charset="0"/>
@@ -27189,6 +27214,11 @@
             </a:pPr>
             <a:r>
               <a:rPr lang="es-CO" sz="5000" dirty="0">
+                <a:solidFill>
+                  <a:schemeClr val="bg2">
+                    <a:lumMod val="75000"/>
+                  </a:schemeClr>
+                </a:solidFill>
                 <a:effectLst/>
                 <a:latin typeface="Calibri" panose="020F0502020204030204" pitchFamily="34" charset="0"/>
                 <a:ea typeface="Calibri" panose="020F0502020204030204" pitchFamily="34" charset="0"/>
@@ -27210,6 +27240,11 @@
             </a:pPr>
             <a:r>
               <a:rPr lang="es-CO" sz="5000" dirty="0">
+                <a:solidFill>
+                  <a:schemeClr val="bg2">
+                    <a:lumMod val="75000"/>
+                  </a:schemeClr>
+                </a:solidFill>
                 <a:effectLst/>
                 <a:latin typeface="Calibri" panose="020F0502020204030204" pitchFamily="34" charset="0"/>
                 <a:ea typeface="Calibri" panose="020F0502020204030204" pitchFamily="34" charset="0"/>
@@ -27231,6 +27266,11 @@
             </a:pPr>
             <a:r>
               <a:rPr lang="es-CO" sz="5000" dirty="0">
+                <a:solidFill>
+                  <a:schemeClr val="bg2">
+                    <a:lumMod val="75000"/>
+                  </a:schemeClr>
+                </a:solidFill>
                 <a:effectLst/>
                 <a:latin typeface="Calibri" panose="020F0502020204030204" pitchFamily="34" charset="0"/>
                 <a:ea typeface="Calibri" panose="020F0502020204030204" pitchFamily="34" charset="0"/>
@@ -27253,6 +27293,11 @@
             </a:pPr>
             <a:r>
               <a:rPr lang="es-CO" sz="5000" dirty="0">
+                <a:solidFill>
+                  <a:schemeClr val="bg2">
+                    <a:lumMod val="75000"/>
+                  </a:schemeClr>
+                </a:solidFill>
                 <a:effectLst/>
                 <a:latin typeface="Calibri" panose="020F0502020204030204" pitchFamily="34" charset="0"/>
                 <a:ea typeface="Calibri" panose="020F0502020204030204" pitchFamily="34" charset="0"/>
@@ -27275,6 +27320,11 @@
             </a:pPr>
             <a:r>
               <a:rPr lang="es-CO" sz="5000" b="1" dirty="0">
+                <a:solidFill>
+                  <a:schemeClr val="bg2">
+                    <a:lumMod val="75000"/>
+                  </a:schemeClr>
+                </a:solidFill>
                 <a:effectLst/>
                 <a:latin typeface="Calibri" panose="020F0502020204030204" pitchFamily="34" charset="0"/>
                 <a:ea typeface="Calibri" panose="020F0502020204030204" pitchFamily="34" charset="0"/>
@@ -27296,6 +27346,11 @@
               </a:tabLst>
             </a:pPr>
             <a:endParaRPr lang="es-CO" sz="5000" dirty="0">
+              <a:solidFill>
+                <a:schemeClr val="bg2">
+                  <a:lumMod val="75000"/>
+                </a:schemeClr>
+              </a:solidFill>
               <a:effectLst/>
               <a:latin typeface="Calibri" panose="020F0502020204030204" pitchFamily="34" charset="0"/>
               <a:ea typeface="Calibri" panose="020F0502020204030204" pitchFamily="34" charset="0"/>
@@ -27315,6 +27370,11 @@
             </a:pPr>
             <a:r>
               <a:rPr lang="es-CO" sz="5000" dirty="0">
+                <a:solidFill>
+                  <a:schemeClr val="bg2">
+                    <a:lumMod val="75000"/>
+                  </a:schemeClr>
+                </a:solidFill>
                 <a:effectLst/>
                 <a:latin typeface="Calibri" panose="020F0502020204030204" pitchFamily="34" charset="0"/>
                 <a:ea typeface="Calibri" panose="020F0502020204030204" pitchFamily="34" charset="0"/>
@@ -27339,6 +27399,11 @@
             </a:pPr>
             <a:r>
               <a:rPr lang="es-CO" sz="5000" dirty="0">
+                <a:solidFill>
+                  <a:schemeClr val="bg2">
+                    <a:lumMod val="75000"/>
+                  </a:schemeClr>
+                </a:solidFill>
                 <a:effectLst/>
                 <a:latin typeface="Calibri" panose="020F0502020204030204" pitchFamily="34" charset="0"/>
                 <a:ea typeface="Calibri" panose="020F0502020204030204" pitchFamily="34" charset="0"/>
@@ -33634,7 +33699,7 @@
         <p:spPr>
           <a:xfrm>
             <a:off x="1297926" y="4080276"/>
-            <a:ext cx="20627166" cy="2861937"/>
+            <a:ext cx="20627166" cy="7478842"/>
           </a:xfrm>
           <a:prstGeom prst="rect">
             <a:avLst/>
@@ -33648,15 +33713,41 @@
           <a:lstStyle/>
           <a:p>
             <a:r>
-              <a:rPr lang="es-ES" sz="5999" dirty="0">
+              <a:rPr lang="es-ES" sz="6000" dirty="0">
                 <a:solidFill>
-                  <a:schemeClr val="bg2"/>
+                  <a:schemeClr val="tx1">
+                    <a:lumMod val="75000"/>
+                    <a:lumOff val="25000"/>
+                  </a:schemeClr>
                 </a:solidFill>
                 <a:latin typeface="Calibri" panose="020F0502020204030204" pitchFamily="34" charset="0"/>
                 <a:cs typeface="Calibri" panose="020F0502020204030204" pitchFamily="34" charset="0"/>
               </a:rPr>
-              <a:t>Se va a realizar un software para las microempresas del barrio la florida en la localidad de Engativá y el barrio nueva Zelandia de la localidad de Suba, que les permita gestionar sus inventarios</a:t>
+              <a:t>Se va a realizar un sistema de informacion para las microempresas (tiendas) del barrio la florida en la localidad de Engativá y el barrio Nueva Zelandia de la localidad de Suba, que les permita gestionar sus inventarios, permitiéndole la rápida organización de sus productos y ayudar a su crecimiento económico. Dando así un servicio que cumpla con las necesidades básicas para el inventario de las microempresas</a:t>
             </a:r>
+            <a:endParaRPr kumimoji="0" lang="es-ES" sz="6000" i="0" u="none" strike="noStrike" cap="none" spc="0" normalizeH="0" baseline="0" dirty="0">
+              <a:ln>
+                <a:noFill/>
+              </a:ln>
+              <a:solidFill>
+                <a:srgbClr val="404040"/>
+              </a:solidFill>
+              <a:effectLst/>
+              <a:uFillTx/>
+              <a:latin typeface="Calibri" panose="020F0502020204030204" pitchFamily="34" charset="0"/>
+              <a:ea typeface="Helvetica Neue"/>
+              <a:cs typeface="Calibri" panose="020F0502020204030204" pitchFamily="34" charset="0"/>
+              <a:sym typeface="Helvetica Neue"/>
+            </a:endParaRPr>
+          </a:p>
+          <a:p>
+            <a:endParaRPr lang="es-ES" sz="5999" dirty="0">
+              <a:solidFill>
+                <a:schemeClr val="bg2"/>
+              </a:solidFill>
+              <a:latin typeface="Calibri" panose="020F0502020204030204" pitchFamily="34" charset="0"/>
+              <a:cs typeface="Calibri" panose="020F0502020204030204" pitchFamily="34" charset="0"/>
+            </a:endParaRPr>
           </a:p>
         </p:txBody>
       </p:sp>
@@ -33813,7 +33904,7 @@
         <p:spPr>
           <a:xfrm>
             <a:off x="1647780" y="4088347"/>
-            <a:ext cx="20852991" cy="3785139"/>
+            <a:ext cx="20852991" cy="5632183"/>
           </a:xfrm>
           <a:prstGeom prst="rect">
             <a:avLst/>
@@ -33827,15 +33918,27 @@
           <a:lstStyle/>
           <a:p>
             <a:r>
-              <a:rPr lang="es-ES" sz="5999" dirty="0">
+              <a:rPr lang="es-ES" sz="6000" dirty="0">
                 <a:solidFill>
-                  <a:schemeClr val="bg2"/>
+                  <a:schemeClr val="tx1">
+                    <a:lumMod val="75000"/>
+                    <a:lumOff val="25000"/>
+                  </a:schemeClr>
                 </a:solidFill>
                 <a:latin typeface="Calibri" panose="020F0502020204030204" pitchFamily="34" charset="0"/>
                 <a:cs typeface="Calibri" panose="020F0502020204030204" pitchFamily="34" charset="0"/>
               </a:rPr>
-              <a:t>La manera con que el comercio ha llevado su información de una manera clásica y poco segura se vuelve muy obsoleta en la forma de gestionar su inventario. Además, esto afecta su productividad y rendimiento.</a:t>
+              <a:t>La manera con que el comercio ha llevado su información de una manera clásica y poco segura, con el paso del tiempo se vuelve muy obsoleta en la forma de gestionar su inventario. Además, esto podría tener consecuencias como la perdida de informacion, mala gestión del inventario e informacion incompleta.</a:t>
             </a:r>
+          </a:p>
+          <a:p>
+            <a:endParaRPr lang="es-ES" sz="5999" dirty="0">
+              <a:solidFill>
+                <a:schemeClr val="bg2"/>
+              </a:solidFill>
+              <a:latin typeface="Calibri" panose="020F0502020204030204" pitchFamily="34" charset="0"/>
+              <a:cs typeface="Calibri" panose="020F0502020204030204" pitchFamily="34" charset="0"/>
+            </a:endParaRPr>
           </a:p>
         </p:txBody>
       </p:sp>
@@ -33992,7 +34095,7 @@
         <p:spPr>
           <a:xfrm>
             <a:off x="1713094" y="4465625"/>
-            <a:ext cx="21375506" cy="4708340"/>
+            <a:ext cx="21375506" cy="5632055"/>
           </a:xfrm>
           <a:prstGeom prst="rect">
             <a:avLst/>
@@ -34006,15 +34109,27 @@
           <a:lstStyle/>
           <a:p>
             <a:r>
-              <a:rPr lang="es-ES" sz="5999" dirty="0">
+              <a:rPr lang="es-ES" sz="6000" dirty="0">
                 <a:solidFill>
-                  <a:schemeClr val="bg2"/>
+                  <a:schemeClr val="tx1">
+                    <a:lumMod val="75000"/>
+                    <a:lumOff val="25000"/>
+                  </a:schemeClr>
                 </a:solidFill>
                 <a:latin typeface="Calibri" panose="020F0502020204030204" pitchFamily="34" charset="0"/>
                 <a:cs typeface="Calibri" panose="020F0502020204030204" pitchFamily="34" charset="0"/>
               </a:rPr>
-              <a:t>Diseñar un sistema de información (Inventario) fácil de manejar, cómodo y sencillo para tiendas y micronegocios con el uso de técnicas de programación y para la gestión de sus negocios y organización de sus productos.</a:t>
+              <a:t>Diseñar un sistema de información (Inventario) fácil de manejar, cómodo y sencillo para  micronegocios (tiendas) con el uso de técnicas de programación para la gestión de sus negocios y organización de sus productos.</a:t>
             </a:r>
+          </a:p>
+          <a:p>
+            <a:endParaRPr lang="es-ES" sz="5999" dirty="0">
+              <a:solidFill>
+                <a:schemeClr val="bg2"/>
+              </a:solidFill>
+              <a:latin typeface="Calibri" panose="020F0502020204030204" pitchFamily="34" charset="0"/>
+              <a:cs typeface="Calibri" panose="020F0502020204030204" pitchFamily="34" charset="0"/>
+            </a:endParaRPr>
           </a:p>
           <a:p>
             <a:endParaRPr lang="es-ES" sz="5999" dirty="0">
@@ -34180,7 +34295,7 @@
         <p:spPr>
           <a:xfrm>
             <a:off x="1909036" y="4246220"/>
-            <a:ext cx="19579365" cy="8052204"/>
+            <a:ext cx="19579365" cy="10360529"/>
           </a:xfrm>
           <a:prstGeom prst="rect">
             <a:avLst/>
@@ -34193,61 +34308,104 @@
           </a:bodyPr>
           <a:lstStyle/>
           <a:p>
-            <a:pPr marL="685770" indent="-685770">
-              <a:lnSpc>
-                <a:spcPct val="150000"/>
-              </a:lnSpc>
+            <a:pPr marL="800100" lvl="1" indent="-342900">
               <a:buFont typeface="Arial" panose="020B0604020202020204" pitchFamily="34" charset="0"/>
               <a:buChar char="•"/>
             </a:pPr>
             <a:r>
-              <a:rPr lang="es-ES" sz="5000" dirty="0">
+              <a:rPr lang="es-ES" sz="6000" dirty="0">
                 <a:solidFill>
-                  <a:schemeClr val="bg2"/>
+                  <a:schemeClr val="tx1">
+                    <a:lumMod val="75000"/>
+                    <a:lumOff val="25000"/>
+                  </a:schemeClr>
                 </a:solidFill>
                 <a:latin typeface="Calibri" panose="020F0502020204030204" pitchFamily="34" charset="0"/>
                 <a:cs typeface="Calibri" panose="020F0502020204030204" pitchFamily="34" charset="0"/>
               </a:rPr>
-              <a:t>Hacer una encuesta entre diferentes negocios (tiendas, micronegocios) y gestionar de manera correcta esta informacion para hacer una estadística e identificar las necesidades del usuario.</a:t>
+              <a:t>Elaborar una encuesta y recopilar informacion necesaria en los barrios que cuentan con negocios (tiendas) para identificar las necesidades del cliente</a:t>
             </a:r>
           </a:p>
           <a:p>
-            <a:pPr marL="685770" indent="-685770">
-              <a:lnSpc>
-                <a:spcPct val="150000"/>
-              </a:lnSpc>
+            <a:pPr marL="457200" lvl="1"/>
+            <a:endParaRPr lang="es-ES" sz="6000" dirty="0">
+              <a:solidFill>
+                <a:schemeClr val="tx1">
+                  <a:lumMod val="75000"/>
+                  <a:lumOff val="25000"/>
+                </a:schemeClr>
+              </a:solidFill>
+              <a:latin typeface="Calibri" panose="020F0502020204030204" pitchFamily="34" charset="0"/>
+              <a:cs typeface="Calibri" panose="020F0502020204030204" pitchFamily="34" charset="0"/>
+            </a:endParaRPr>
+          </a:p>
+          <a:p>
+            <a:pPr marL="800100" lvl="1" indent="-342900">
               <a:buFont typeface="Arial" panose="020B0604020202020204" pitchFamily="34" charset="0"/>
               <a:buChar char="•"/>
             </a:pPr>
             <a:r>
-              <a:rPr lang="es-ES" sz="5000" dirty="0">
+              <a:rPr lang="es-ES" sz="6000" dirty="0">
                 <a:solidFill>
-                  <a:schemeClr val="bg2"/>
+                  <a:schemeClr val="tx1">
+                    <a:lumMod val="75000"/>
+                    <a:lumOff val="25000"/>
+                  </a:schemeClr>
                 </a:solidFill>
                 <a:latin typeface="Calibri" panose="020F0502020204030204" pitchFamily="34" charset="0"/>
                 <a:cs typeface="Calibri" panose="020F0502020204030204" pitchFamily="34" charset="0"/>
               </a:rPr>
-              <a:t>Desarrollar una interfaz aplicando técnicas de ciertos lenguajes de programación</a:t>
+              <a:t>Diseñar y elaborar mapa de procesos, documentación, manuales, diagramas, casos de uso, para elaborar con técnicas de programación el inventario web</a:t>
             </a:r>
           </a:p>
           <a:p>
-            <a:pPr marL="685770" indent="-685770">
-              <a:lnSpc>
-                <a:spcPct val="150000"/>
-              </a:lnSpc>
+            <a:pPr marL="800100" lvl="1" indent="-342900">
+              <a:buFont typeface="Arial" panose="020B0604020202020204" pitchFamily="34" charset="0"/>
+              <a:buChar char="•"/>
+            </a:pPr>
+            <a:endParaRPr lang="es-ES" sz="6000" dirty="0">
+              <a:solidFill>
+                <a:schemeClr val="tx1">
+                  <a:lumMod val="75000"/>
+                  <a:lumOff val="25000"/>
+                </a:schemeClr>
+              </a:solidFill>
+              <a:latin typeface="Calibri" panose="020F0502020204030204" pitchFamily="34" charset="0"/>
+              <a:cs typeface="Calibri" panose="020F0502020204030204" pitchFamily="34" charset="0"/>
+            </a:endParaRPr>
+          </a:p>
+          <a:p>
+            <a:pPr marL="800100" lvl="1" indent="-342900">
               <a:buFont typeface="Arial" panose="020B0604020202020204" pitchFamily="34" charset="0"/>
               <a:buChar char="•"/>
             </a:pPr>
             <a:r>
-              <a:rPr lang="es-ES" sz="5000" dirty="0">
+              <a:rPr lang="es-ES" sz="6000" dirty="0">
                 <a:solidFill>
-                  <a:schemeClr val="bg2"/>
+                  <a:schemeClr val="tx1">
+                    <a:lumMod val="75000"/>
+                    <a:lumOff val="25000"/>
+                  </a:schemeClr>
                 </a:solidFill>
                 <a:latin typeface="Calibri" panose="020F0502020204030204" pitchFamily="34" charset="0"/>
                 <a:cs typeface="Calibri" panose="020F0502020204030204" pitchFamily="34" charset="0"/>
               </a:rPr>
-              <a:t>Evaluar y hacer pruebas finales del inventario web para poder entregar el producto final al cliente. </a:t>
+              <a:t>Diseñar y estructurar el inventario web con técnicas de programación con php y css para estilos y diseño </a:t>
             </a:r>
+          </a:p>
+          <a:p>
+            <a:pPr>
+              <a:lnSpc>
+                <a:spcPct val="150000"/>
+              </a:lnSpc>
+            </a:pPr>
+            <a:endParaRPr lang="es-ES" sz="5000" dirty="0">
+              <a:solidFill>
+                <a:schemeClr val="bg2"/>
+              </a:solidFill>
+              <a:latin typeface="Calibri" panose="020F0502020204030204" pitchFamily="34" charset="0"/>
+              <a:cs typeface="Calibri" panose="020F0502020204030204" pitchFamily="34" charset="0"/>
+            </a:endParaRPr>
           </a:p>
         </p:txBody>
       </p:sp>
@@ -34404,7 +34562,7 @@
         <p:spPr>
           <a:xfrm>
             <a:off x="1431471" y="4219253"/>
-            <a:ext cx="21428529" cy="7478970"/>
+            <a:ext cx="21428529" cy="11603176"/>
           </a:xfrm>
           <a:prstGeom prst="rect">
             <a:avLst/>
@@ -34418,20 +34576,26 @@
           <a:lstStyle/>
           <a:p>
             <a:r>
-              <a:rPr lang="es-ES" sz="4800" dirty="0">
+              <a:rPr lang="es-ES" sz="5000" dirty="0">
                 <a:solidFill>
-                  <a:schemeClr val="bg2"/>
+                  <a:schemeClr val="tx1">
+                    <a:lumMod val="75000"/>
+                    <a:lumOff val="25000"/>
+                  </a:schemeClr>
                 </a:solidFill>
                 <a:latin typeface="Calibri" panose="020F0502020204030204" pitchFamily="34" charset="0"/>
                 <a:cs typeface="Calibri" panose="020F0502020204030204" pitchFamily="34" charset="0"/>
               </a:rPr>
-              <a:t>El alcance del proyecto es el desarrollo de un sistema de información de control que brinde un cómodo y rápido análisis de un inventario.</a:t>
+              <a:t>Nuestro sistema de informacion brindara un cómodo y sencillo análisis de datos para el buen  funcionamiento del inventario, por ende, nuestro sistema cuenta con los siguiente puntos:</a:t>
             </a:r>
           </a:p>
           <a:p>
-            <a:endParaRPr lang="es-ES" sz="4800" dirty="0">
+            <a:endParaRPr lang="es-ES" sz="5000" dirty="0">
               <a:solidFill>
-                <a:schemeClr val="bg2"/>
+                <a:schemeClr val="tx1">
+                  <a:lumMod val="75000"/>
+                  <a:lumOff val="25000"/>
+                </a:schemeClr>
               </a:solidFill>
               <a:latin typeface="Calibri" panose="020F0502020204030204" pitchFamily="34" charset="0"/>
               <a:cs typeface="Calibri" panose="020F0502020204030204" pitchFamily="34" charset="0"/>
@@ -34443,20 +34607,30 @@
               <a:buChar char="§"/>
             </a:pPr>
             <a:r>
-              <a:rPr lang="es-ES" sz="4800" dirty="0">
+              <a:rPr lang="es-ES" sz="5000" dirty="0">
                 <a:solidFill>
-                  <a:schemeClr val="bg2"/>
+                  <a:schemeClr val="tx1">
+                    <a:lumMod val="75000"/>
+                    <a:lumOff val="25000"/>
+                  </a:schemeClr>
                 </a:solidFill>
                 <a:latin typeface="Calibri" panose="020F0502020204030204" pitchFamily="34" charset="0"/>
                 <a:cs typeface="Calibri" panose="020F0502020204030204" pitchFamily="34" charset="0"/>
               </a:rPr>
-              <a:t> Esta plataforma será de tipo web. El sistema tendrá modulo de administrador para el análisis y generación de reportes y actualización de inventario</a:t>
+              <a:t> Esta plataforma será de tipo web. El sistema tendrá modulo de productos, usuarios, ventas y reportes para agregar, eliminar, editar y consultar productos, generar reportes, consultar y editar usuarios y consultar ventas</a:t>
             </a:r>
           </a:p>
           <a:p>
-            <a:endParaRPr lang="es-ES" sz="4800" dirty="0">
+            <a:pPr marL="285737" indent="-285737">
+              <a:buFont typeface="Wingdings" panose="05000000000000000000" pitchFamily="2" charset="2"/>
+              <a:buChar char="§"/>
+            </a:pPr>
+            <a:endParaRPr lang="es-ES" sz="5000" dirty="0">
               <a:solidFill>
-                <a:schemeClr val="bg2"/>
+                <a:schemeClr val="tx1">
+                  <a:lumMod val="75000"/>
+                  <a:lumOff val="25000"/>
+                </a:schemeClr>
               </a:solidFill>
               <a:latin typeface="Calibri" panose="020F0502020204030204" pitchFamily="34" charset="0"/>
               <a:cs typeface="Calibri" panose="020F0502020204030204" pitchFamily="34" charset="0"/>
@@ -34468,20 +34642,30 @@
               <a:buChar char="§"/>
             </a:pPr>
             <a:r>
-              <a:rPr lang="es-ES" sz="4800" dirty="0">
+              <a:rPr lang="es-ES" sz="5000" dirty="0">
                 <a:solidFill>
-                  <a:schemeClr val="bg2"/>
+                  <a:schemeClr val="tx1">
+                    <a:lumMod val="75000"/>
+                    <a:lumOff val="25000"/>
+                  </a:schemeClr>
                 </a:solidFill>
                 <a:latin typeface="Calibri" panose="020F0502020204030204" pitchFamily="34" charset="0"/>
                 <a:cs typeface="Calibri" panose="020F0502020204030204" pitchFamily="34" charset="0"/>
               </a:rPr>
-              <a:t> La plataforma tendrá un modulo en el cual nuestros clientes estén informados de todas las ventajas y novedades al utilizar nuestro software.</a:t>
+              <a:t> La plataforma tendrá informacion necesaria en el cual los clientes estarán informados acerca de nuestra empresa y quienes somos y las ventajas de adquirir nuestro sistema de informacion</a:t>
             </a:r>
           </a:p>
           <a:p>
-            <a:endParaRPr lang="es-ES" sz="4800" dirty="0">
+            <a:pPr marL="285737" indent="-285737">
+              <a:buFont typeface="Wingdings" panose="05000000000000000000" pitchFamily="2" charset="2"/>
+              <a:buChar char="§"/>
+            </a:pPr>
+            <a:endParaRPr lang="es-ES" sz="5000" dirty="0">
               <a:solidFill>
-                <a:schemeClr val="bg2"/>
+                <a:schemeClr val="tx1">
+                  <a:lumMod val="75000"/>
+                  <a:lumOff val="25000"/>
+                </a:schemeClr>
               </a:solidFill>
               <a:latin typeface="Calibri" panose="020F0502020204030204" pitchFamily="34" charset="0"/>
               <a:cs typeface="Calibri" panose="020F0502020204030204" pitchFamily="34" charset="0"/>
@@ -34493,15 +34677,27 @@
               <a:buChar char="§"/>
             </a:pPr>
             <a:r>
-              <a:rPr lang="es-ES" sz="4800" dirty="0">
+              <a:rPr lang="es-ES" sz="5000" dirty="0">
                 <a:solidFill>
-                  <a:schemeClr val="bg2"/>
+                  <a:schemeClr val="tx1">
+                    <a:lumMod val="75000"/>
+                    <a:lumOff val="25000"/>
+                  </a:schemeClr>
                 </a:solidFill>
                 <a:latin typeface="Calibri" panose="020F0502020204030204" pitchFamily="34" charset="0"/>
                 <a:cs typeface="Calibri" panose="020F0502020204030204" pitchFamily="34" charset="0"/>
               </a:rPr>
               <a:t> El lenguaje de programación a utilizar es PHP con conectividad a base de datos SQL.</a:t>
             </a:r>
+          </a:p>
+          <a:p>
+            <a:endParaRPr lang="es-ES" sz="4800" dirty="0">
+              <a:solidFill>
+                <a:schemeClr val="bg2"/>
+              </a:solidFill>
+              <a:latin typeface="Calibri" panose="020F0502020204030204" pitchFamily="34" charset="0"/>
+              <a:cs typeface="Calibri" panose="020F0502020204030204" pitchFamily="34" charset="0"/>
+            </a:endParaRPr>
           </a:p>
         </p:txBody>
       </p:sp>
@@ -34658,7 +34854,7 @@
         <p:spPr>
           <a:xfrm>
             <a:off x="1909036" y="4160260"/>
-            <a:ext cx="20559078" cy="6247864"/>
+            <a:ext cx="20559078" cy="6863417"/>
           </a:xfrm>
           <a:prstGeom prst="rect">
             <a:avLst/>
@@ -34672,7 +34868,7 @@
           <a:lstStyle/>
           <a:p>
             <a:r>
-              <a:rPr lang="es-ES" sz="5000" dirty="0">
+              <a:rPr lang="es-ES" sz="5500" dirty="0">
                 <a:solidFill>
                   <a:schemeClr val="bg2"/>
                 </a:solidFill>
@@ -34684,7 +34880,7 @@
           </a:p>
           <a:p>
             <a:r>
-              <a:rPr lang="es-ES" sz="5000" dirty="0">
+              <a:rPr lang="es-ES" sz="5500" dirty="0">
                 <a:solidFill>
                   <a:schemeClr val="bg2"/>
                 </a:solidFill>

--- a/Documentacion/Proyecto Inventario (General)/Proyecto Inventario.pptx
+++ b/Documentacion/Proyecto Inventario (General)/Proyecto Inventario.pptx
@@ -28614,8 +28614,9 @@
             <a:r>
               <a:rPr lang="es-MX" sz="5999" dirty="0">
                 <a:solidFill>
-                  <a:schemeClr val="bg1">
-                    <a:lumMod val="50000"/>
+                  <a:schemeClr val="tx1">
+                    <a:lumMod val="65000"/>
+                    <a:lumOff val="35000"/>
                   </a:schemeClr>
                 </a:solidFill>
               </a:rPr>
@@ -28623,8 +28624,9 @@
             </a:r>
             <a:endParaRPr lang="es-CO" sz="5999" dirty="0">
               <a:solidFill>
-                <a:schemeClr val="bg1">
-                  <a:lumMod val="50000"/>
+                <a:schemeClr val="tx1">
+                  <a:lumMod val="65000"/>
+                  <a:lumOff val="35000"/>
                 </a:schemeClr>
               </a:solidFill>
             </a:endParaRPr>
@@ -28646,7 +28648,7 @@
         </p:nvSpPr>
         <p:spPr>
           <a:xfrm>
-            <a:off x="363070" y="3653349"/>
+            <a:off x="363070" y="3578084"/>
             <a:ext cx="10152530" cy="1702422"/>
           </a:xfrm>
           <a:prstGeom prst="rect">
@@ -30121,40 +30123,10 @@
           </a:p>
         </p:txBody>
       </p:sp>
-      <p:pic>
-        <p:nvPicPr>
-          <p:cNvPr id="4" name="Imagen 3">
-            <a:extLst>
-              <a:ext uri="{FF2B5EF4-FFF2-40B4-BE49-F238E27FC236}">
-                <a16:creationId xmlns:a16="http://schemas.microsoft.com/office/drawing/2014/main" id="{5F0E7C6C-CA34-448B-85A0-5562DAE6575D}"/>
-              </a:ext>
-            </a:extLst>
-          </p:cNvPr>
-          <p:cNvPicPr>
-            <a:picLocks noChangeAspect="1"/>
-          </p:cNvPicPr>
-          <p:nvPr/>
-        </p:nvPicPr>
-        <p:blipFill>
-          <a:blip r:embed="rId4"/>
-          <a:stretch>
-            <a:fillRect/>
-          </a:stretch>
-        </p:blipFill>
-        <p:spPr>
-          <a:xfrm>
-            <a:off x="363070" y="4236968"/>
-            <a:ext cx="24020930" cy="11144547"/>
-          </a:xfrm>
-          <a:prstGeom prst="rect">
-            <a:avLst/>
-          </a:prstGeom>
-        </p:spPr>
-      </p:pic>
       <p:sp>
         <p:nvSpPr>
           <p:cNvPr id="3" name="Rectángulo 2">
-            <a:hlinkClick r:id="rId5"/>
+            <a:hlinkClick r:id="rId4"/>
             <a:extLst>
               <a:ext uri="{FF2B5EF4-FFF2-40B4-BE49-F238E27FC236}">
                 <a16:creationId xmlns:a16="http://schemas.microsoft.com/office/drawing/2014/main" id="{CB056B09-F9C6-4B11-B67C-9787FF86FA42}"/>
@@ -30202,6 +30174,36 @@
           </a:p>
         </p:txBody>
       </p:sp>
+      <p:pic>
+        <p:nvPicPr>
+          <p:cNvPr id="6" name="Imagen 5">
+            <a:extLst>
+              <a:ext uri="{FF2B5EF4-FFF2-40B4-BE49-F238E27FC236}">
+                <a16:creationId xmlns:a16="http://schemas.microsoft.com/office/drawing/2014/main" id="{777A4994-97CC-4BF8-A69F-61DB252861DA}"/>
+              </a:ext>
+            </a:extLst>
+          </p:cNvPr>
+          <p:cNvPicPr>
+            <a:picLocks noChangeAspect="1"/>
+          </p:cNvPicPr>
+          <p:nvPr/>
+        </p:nvPicPr>
+        <p:blipFill>
+          <a:blip r:embed="rId5"/>
+          <a:stretch>
+            <a:fillRect/>
+          </a:stretch>
+        </p:blipFill>
+        <p:spPr>
+          <a:xfrm>
+            <a:off x="363070" y="4356379"/>
+            <a:ext cx="23639930" cy="10957450"/>
+          </a:xfrm>
+          <a:prstGeom prst="rect">
+            <a:avLst/>
+          </a:prstGeom>
+        </p:spPr>
+      </p:pic>
     </p:spTree>
     <p:extLst>
       <p:ext uri="{BB962C8B-B14F-4D97-AF65-F5344CB8AC3E}">
@@ -30439,6 +30441,16 @@
           <a:lstStyle/>
           <a:p>
             <a:r>
+              <a:rPr lang="es-MX" sz="5999" dirty="0">
+                <a:solidFill>
+                  <a:schemeClr val="tx2">
+                    <a:lumMod val="50000"/>
+                  </a:schemeClr>
+                </a:solidFill>
+              </a:rPr>
+              <a:t>F</a:t>
+            </a:r>
+            <a:r>
               <a:rPr lang="es-CO" sz="5999" dirty="0">
                 <a:solidFill>
                   <a:schemeClr val="tx2">
@@ -30446,7 +30458,7 @@
                   </a:schemeClr>
                 </a:solidFill>
               </a:rPr>
-              <a:t>Recursos 2</a:t>
+              <a:t>lujo de caja</a:t>
             </a:r>
           </a:p>
         </p:txBody>
@@ -30466,7 +30478,7 @@
         </p:nvSpPr>
         <p:spPr>
           <a:xfrm>
-            <a:off x="879769" y="4074472"/>
+            <a:off x="879769" y="4074471"/>
             <a:ext cx="4606631" cy="1015663"/>
           </a:xfrm>
           <a:prstGeom prst="rect">
@@ -30650,7 +30662,7 @@
         </p:nvSpPr>
         <p:spPr>
           <a:xfrm>
-            <a:off x="650207" y="7332100"/>
+            <a:off x="879768" y="7384080"/>
             <a:ext cx="5065751" cy="1061230"/>
           </a:xfrm>
           <a:prstGeom prst="rect">
@@ -30701,7 +30713,7 @@
         </p:nvSpPr>
         <p:spPr>
           <a:xfrm>
-            <a:off x="9723663" y="4074472"/>
+            <a:off x="9723663" y="4074471"/>
             <a:ext cx="3175908" cy="1015663"/>
           </a:xfrm>
           <a:prstGeom prst="rect">

--- a/Documentacion/Proyecto Inventario (General)/Proyecto Inventario.pptx
+++ b/Documentacion/Proyecto Inventario (General)/Proyecto Inventario.pptx
@@ -34364,10 +34364,8 @@
                     <a:lumOff val="25000"/>
                   </a:schemeClr>
                 </a:solidFill>
-                <a:latin typeface="Calibri" panose="020F0502020204030204" pitchFamily="34" charset="0"/>
-                <a:cs typeface="Calibri" panose="020F0502020204030204" pitchFamily="34" charset="0"/>
               </a:rPr>
-              <a:t>Diseñar y elaborar mapa de procesos, documentación, manuales, diagramas, casos de uso, para elaborar con técnicas de programación el inventario web</a:t>
+              <a:t>Diseñar y elaborar una fase de análisis, fase de diseño, fase de desarrollo y fase de pruebas para la estructuración del proyecto</a:t>
             </a:r>
           </a:p>
           <a:p>
